--- a/Presentation.pptx
+++ b/Presentation.pptx
@@ -2373,7 +2373,7 @@
               <a:buChar char="•"/>
             </a:pPr>
             <a:r>
-              <a:rPr lang="en-US" sz="1100"/>
+              <a:rPr lang="en-US" sz="1100" dirty="0"/>
               <a:t>Costs for bringing a new drug to market was about $1.8 billion in 2010 according to a study (https://en.wikipedia.org/wiki/Cost_of_drug_development)</a:t>
             </a:r>
           </a:p>
@@ -2383,7 +2383,7 @@
               <a:buChar char="•"/>
             </a:pPr>
             <a:r>
-              <a:rPr lang="en-US" sz="1100"/>
+              <a:rPr lang="en-US" sz="1100" dirty="0"/>
               <a:t>Chemical space has tens of millions of molecules</a:t>
             </a:r>
           </a:p>
@@ -2393,7 +2393,7 @@
               <a:buChar char="•"/>
             </a:pPr>
             <a:r>
-              <a:rPr lang="en-US" sz="1100"/>
+              <a:rPr lang="en-US" sz="1100" dirty="0"/>
               <a:t>Makable chemical space has tens of billions of molecules</a:t>
             </a:r>
           </a:p>
@@ -3115,8 +3115,8 @@
           </a:xfrm>
         </p:spPr>
       </p:sp>
-      <mc:AlternateContent xmlns:mc="http://schemas.openxmlformats.org/markup-compatibility/2006">
-        <mc:Choice xmlns:a14="http://schemas.microsoft.com/office/drawing/2010/main" Requires="a14">
+      <mc:AlternateContent xmlns:mc="http://schemas.openxmlformats.org/markup-compatibility/2006" xmlns:a14="http://schemas.microsoft.com/office/drawing/2010/main">
+        <mc:Choice Requires="a14">
           <p:sp>
             <p:nvSpPr>
               <p:cNvPr id="3" name="Notes Placeholder 2"/>
@@ -3372,7 +3372,7 @@
             </p:txBody>
           </p:sp>
         </mc:Choice>
-        <mc:Fallback>
+        <mc:Fallback xmlns="">
           <p:sp>
             <p:nvSpPr>
               <p:cNvPr id="3" name="Notes Placeholder 2"/>
@@ -22873,8 +22873,8 @@
           <a:chExt cx="0" cy="0"/>
         </a:xfrm>
       </p:grpSpPr>
-      <mc:AlternateContent xmlns:mc="http://schemas.openxmlformats.org/markup-compatibility/2006">
-        <mc:Choice xmlns:a14="http://schemas.microsoft.com/office/drawing/2010/main" Requires="a14">
+      <mc:AlternateContent xmlns:mc="http://schemas.openxmlformats.org/markup-compatibility/2006" xmlns:a14="http://schemas.microsoft.com/office/drawing/2010/main">
+        <mc:Choice Requires="a14">
           <p:sp>
             <p:nvSpPr>
               <p:cNvPr id="11" name="TextBox 10">
@@ -25013,7 +25013,7 @@
             </p:txBody>
           </p:sp>
         </mc:Choice>
-        <mc:Fallback>
+        <mc:Fallback xmlns="">
           <p:sp>
             <p:nvSpPr>
               <p:cNvPr id="11" name="TextBox 10">
@@ -25639,20 +25639,20 @@
 </file>
 
 <file path=customXml/item1.xml><?xml version="1.0" encoding="utf-8"?>
-<p:properties xmlns:p="http://schemas.microsoft.com/office/2006/metadata/properties" xmlns:xsi="http://www.w3.org/2001/XMLSchema-instance" xmlns:pc="http://schemas.microsoft.com/office/infopath/2007/PartnerControls">
-  <documentManagement>
-    <_activity xmlns="dcf8c7ea-8979-425e-9107-dbe95dd2bede" xsi:nil="true"/>
-  </documentManagement>
-</p:properties>
-</file>
-
-<file path=customXml/item2.xml><?xml version="1.0" encoding="utf-8"?>
 <?mso-contentType ?>
 <FormTemplates xmlns="http://schemas.microsoft.com/sharepoint/v3/contenttype/forms">
   <Display>DocumentLibraryForm</Display>
   <Edit>DocumentLibraryForm</Edit>
   <New>DocumentLibraryForm</New>
 </FormTemplates>
+</file>
+
+<file path=customXml/item2.xml><?xml version="1.0" encoding="utf-8"?>
+<p:properties xmlns:p="http://schemas.microsoft.com/office/2006/metadata/properties" xmlns:xsi="http://www.w3.org/2001/XMLSchema-instance" xmlns:pc="http://schemas.microsoft.com/office/infopath/2007/PartnerControls">
+  <documentManagement>
+    <_activity xmlns="dcf8c7ea-8979-425e-9107-dbe95dd2bede" xsi:nil="true"/>
+  </documentManagement>
+</p:properties>
 </file>
 
 <file path=customXml/item3.xml><?xml version="1.0" encoding="utf-8"?>
@@ -25883,6 +25883,14 @@
 </file>
 
 <file path=customXml/itemProps1.xml><?xml version="1.0" encoding="utf-8"?>
+<ds:datastoreItem xmlns:ds="http://schemas.openxmlformats.org/officeDocument/2006/customXml" ds:itemID="{E88ECB35-CF0B-49A7-8960-7E6284D92555}">
+  <ds:schemaRefs>
+    <ds:schemaRef ds:uri="http://schemas.microsoft.com/sharepoint/v3/contenttype/forms"/>
+  </ds:schemaRefs>
+</ds:datastoreItem>
+</file>
+
+<file path=customXml/itemProps2.xml><?xml version="1.0" encoding="utf-8"?>
 <ds:datastoreItem xmlns:ds="http://schemas.openxmlformats.org/officeDocument/2006/customXml" ds:itemID="{CCE54310-3E92-41A1-9ACD-B27910A6E965}">
   <ds:schemaRefs>
     <ds:schemaRef ds:uri="4ca7e4a4-a813-45c1-ac53-ad3fa1a0367c"/>
@@ -25895,14 +25903,6 @@
     <ds:schemaRef ds:uri="http://schemas.microsoft.com/office/infopath/2007/PartnerControls"/>
     <ds:schemaRef ds:uri="http://schemas.openxmlformats.org/package/2006/metadata/core-properties"/>
     <ds:schemaRef ds:uri="http://www.w3.org/XML/1998/namespace"/>
-  </ds:schemaRefs>
-</ds:datastoreItem>
-</file>
-
-<file path=customXml/itemProps2.xml><?xml version="1.0" encoding="utf-8"?>
-<ds:datastoreItem xmlns:ds="http://schemas.openxmlformats.org/officeDocument/2006/customXml" ds:itemID="{E88ECB35-CF0B-49A7-8960-7E6284D92555}">
-  <ds:schemaRefs>
-    <ds:schemaRef ds:uri="http://schemas.microsoft.com/sharepoint/v3/contenttype/forms"/>
   </ds:schemaRefs>
 </ds:datastoreItem>
 </file>
